--- a/BudgetApp_Presentation_2.pptx
+++ b/BudgetApp_Presentation_2.pptx
@@ -2319,7 +2319,7 @@
           <a:p>
             <a:fld id="{8906F081-8781-4431-8FD4-2CF608CD7C47}" type="datetimeFigureOut">
               <a:rPr lang="en-US" smtClean="0"/>
-              <a:t>10/16/2017</a:t>
+              <a:t>10/17/2017</a:t>
             </a:fld>
             <a:endParaRPr lang="en-US"/>
           </a:p>
@@ -2484,7 +2484,7 @@
           <a:p>
             <a:fld id="{F06CA47C-B7FD-4BE9-B0E6-81BA758D95F2}" type="datetimeFigureOut">
               <a:rPr lang="en-US" smtClean="0"/>
-              <a:t>10/16/2017</a:t>
+              <a:t>10/17/2017</a:t>
             </a:fld>
             <a:endParaRPr lang="en-US"/>
           </a:p>
@@ -2995,7 +2995,7 @@
           <a:p>
             <a:fld id="{33024136-D290-48F3-A182-4C46BEB5146B}" type="datetime1">
               <a:rPr lang="en-US" smtClean="0"/>
-              <a:t>10/16/2017</a:t>
+              <a:t>10/17/2017</a:t>
             </a:fld>
             <a:endParaRPr lang="en-US" dirty="0"/>
           </a:p>
@@ -3179,7 +3179,7 @@
           <a:p>
             <a:fld id="{9CC7D44C-38B1-4D0F-9006-D5774F331095}" type="datetime1">
               <a:rPr lang="en-US" smtClean="0"/>
-              <a:t>10/16/2017</a:t>
+              <a:t>10/17/2017</a:t>
             </a:fld>
             <a:endParaRPr lang="en-US"/>
           </a:p>
@@ -3373,7 +3373,7 @@
           <a:p>
             <a:fld id="{F98D518A-FD4F-4358-B95B-9DB5A17160FB}" type="datetime1">
               <a:rPr lang="en-US" smtClean="0"/>
-              <a:t>10/16/2017</a:t>
+              <a:t>10/17/2017</a:t>
             </a:fld>
             <a:endParaRPr lang="en-US"/>
           </a:p>
@@ -3566,7 +3566,7 @@
           <a:p>
             <a:fld id="{5E2A9F4F-03AD-4497-A65D-076601BD41D2}" type="datetime1">
               <a:rPr lang="en-US" smtClean="0"/>
-              <a:t>10/16/2017</a:t>
+              <a:t>10/17/2017</a:t>
             </a:fld>
             <a:endParaRPr lang="en-US"/>
           </a:p>
@@ -3789,7 +3789,7 @@
           <a:p>
             <a:fld id="{EDFBF3AC-A781-43AA-8BD5-B12F49168B94}" type="datetime1">
               <a:rPr lang="en-US" smtClean="0"/>
-              <a:t>10/16/2017</a:t>
+              <a:t>10/17/2017</a:t>
             </a:fld>
             <a:endParaRPr lang="en-US"/>
           </a:p>
@@ -4074,7 +4074,7 @@
           <a:p>
             <a:fld id="{C5256A41-C91B-43FF-9881-F5DA9878418F}" type="datetime1">
               <a:rPr lang="en-US" smtClean="0"/>
-              <a:t>10/16/2017</a:t>
+              <a:t>10/17/2017</a:t>
             </a:fld>
             <a:endParaRPr lang="en-US"/>
           </a:p>
@@ -4477,7 +4477,7 @@
           <a:p>
             <a:fld id="{FFD7AA76-41EE-4C13-950E-E611B8B8FC52}" type="datetime1">
               <a:rPr lang="en-US" smtClean="0"/>
-              <a:t>10/16/2017</a:t>
+              <a:t>10/17/2017</a:t>
             </a:fld>
             <a:endParaRPr lang="en-US"/>
           </a:p>
@@ -4624,7 +4624,7 @@
           <a:p>
             <a:fld id="{89407A26-E7BC-4498-97E4-87AF12377CA9}" type="datetime1">
               <a:rPr lang="en-US" smtClean="0"/>
-              <a:t>10/16/2017</a:t>
+              <a:t>10/17/2017</a:t>
             </a:fld>
             <a:endParaRPr lang="en-US"/>
           </a:p>
@@ -4739,7 +4739,7 @@
           <a:p>
             <a:fld id="{93EA4171-1117-4486-993C-35A7470D8847}" type="datetime1">
               <a:rPr lang="en-US" smtClean="0"/>
-              <a:t>10/16/2017</a:t>
+              <a:t>10/17/2017</a:t>
             </a:fld>
             <a:endParaRPr lang="en-US"/>
           </a:p>
@@ -5011,7 +5011,7 @@
           <a:p>
             <a:fld id="{472A4CB8-1563-4663-81DB-74EB416C19BE}" type="datetime1">
               <a:rPr lang="en-US" smtClean="0"/>
-              <a:t>10/16/2017</a:t>
+              <a:t>10/17/2017</a:t>
             </a:fld>
             <a:endParaRPr lang="en-US"/>
           </a:p>
@@ -5347,7 +5347,7 @@
           <a:p>
             <a:fld id="{0C6724CE-2468-448B-87C1-A92EDD78369B}" type="datetime1">
               <a:rPr lang="en-US" smtClean="0"/>
-              <a:t>10/16/2017</a:t>
+              <a:t>10/17/2017</a:t>
             </a:fld>
             <a:endParaRPr lang="en-US"/>
           </a:p>
@@ -5608,7 +5608,7 @@
           <a:p>
             <a:fld id="{4CD11720-76E7-46E6-B0AA-057287C42052}" type="datetime1">
               <a:rPr lang="en-US" smtClean="0"/>
-              <a:t>10/16/2017</a:t>
+              <a:t>10/17/2017</a:t>
             </a:fld>
             <a:endParaRPr lang="en-US" dirty="0"/>
           </a:p>
@@ -7479,42 +7479,6 @@
       </p:pic>
       <p:pic>
         <p:nvPicPr>
-          <p:cNvPr id="16" name="Picture 15">
-            <a:extLst>
-              <a:ext uri="{FF2B5EF4-FFF2-40B4-BE49-F238E27FC236}">
-                <a16:creationId xmlns:a16="http://schemas.microsoft.com/office/drawing/2014/main" id="{7DBB1206-F38D-4EA9-80B9-E2B9F2BFC94F}"/>
-              </a:ext>
-            </a:extLst>
-          </p:cNvPr>
-          <p:cNvPicPr>
-            <a:picLocks noChangeAspect="1"/>
-          </p:cNvPicPr>
-          <p:nvPr/>
-        </p:nvPicPr>
-        <p:blipFill>
-          <a:blip r:embed="rId3">
-            <a:extLst>
-              <a:ext uri="{28A0092B-C50C-407E-A947-70E740481C1C}">
-                <a14:useLocalDpi xmlns:a14="http://schemas.microsoft.com/office/drawing/2010/main" val="0"/>
-              </a:ext>
-            </a:extLst>
-          </a:blip>
-          <a:stretch>
-            <a:fillRect/>
-          </a:stretch>
-        </p:blipFill>
-        <p:spPr>
-          <a:xfrm>
-            <a:off x="5008970" y="698962"/>
-            <a:ext cx="6797309" cy="3138183"/>
-          </a:xfrm>
-          <a:prstGeom prst="rect">
-            <a:avLst/>
-          </a:prstGeom>
-        </p:spPr>
-      </p:pic>
-      <p:pic>
-        <p:nvPicPr>
           <p:cNvPr id="18" name="Picture 17">
             <a:extLst>
               <a:ext uri="{FF2B5EF4-FFF2-40B4-BE49-F238E27FC236}">
@@ -7528,7 +7492,7 @@
           <p:nvPr/>
         </p:nvPicPr>
         <p:blipFill>
-          <a:blip r:embed="rId4">
+          <a:blip r:embed="rId3">
             <a:extLst>
               <a:ext uri="{28A0092B-C50C-407E-A947-70E740481C1C}">
                 <a14:useLocalDpi xmlns:a14="http://schemas.microsoft.com/office/drawing/2010/main" val="0"/>
@@ -7564,7 +7528,7 @@
           <p:nvPr/>
         </p:nvPicPr>
         <p:blipFill>
-          <a:blip r:embed="rId5">
+          <a:blip r:embed="rId4">
             <a:extLst>
               <a:ext uri="{28A0092B-C50C-407E-A947-70E740481C1C}">
                 <a14:useLocalDpi xmlns:a14="http://schemas.microsoft.com/office/drawing/2010/main" val="0"/>
@@ -7579,6 +7543,42 @@
           <a:xfrm>
             <a:off x="6773034" y="4007635"/>
             <a:ext cx="3231097" cy="2680788"/>
+          </a:xfrm>
+          <a:prstGeom prst="rect">
+            <a:avLst/>
+          </a:prstGeom>
+        </p:spPr>
+      </p:pic>
+      <p:pic>
+        <p:nvPicPr>
+          <p:cNvPr id="5" name="Picture 4">
+            <a:extLst>
+              <a:ext uri="{FF2B5EF4-FFF2-40B4-BE49-F238E27FC236}">
+                <a16:creationId xmlns:a16="http://schemas.microsoft.com/office/drawing/2014/main" id="{2513727F-CAA6-4400-8699-A6EDFFE29067}"/>
+              </a:ext>
+            </a:extLst>
+          </p:cNvPr>
+          <p:cNvPicPr>
+            <a:picLocks noChangeAspect="1"/>
+          </p:cNvPicPr>
+          <p:nvPr/>
+        </p:nvPicPr>
+        <p:blipFill>
+          <a:blip r:embed="rId5">
+            <a:extLst>
+              <a:ext uri="{28A0092B-C50C-407E-A947-70E740481C1C}">
+                <a14:useLocalDpi xmlns:a14="http://schemas.microsoft.com/office/drawing/2010/main" val="0"/>
+              </a:ext>
+            </a:extLst>
+          </a:blip>
+          <a:stretch>
+            <a:fillRect/>
+          </a:stretch>
+        </p:blipFill>
+        <p:spPr>
+          <a:xfrm>
+            <a:off x="5977587" y="768743"/>
+            <a:ext cx="3823465" cy="3036591"/>
           </a:xfrm>
           <a:prstGeom prst="rect">
             <a:avLst/>
@@ -8024,10 +8024,10 @@
       </p:pic>
       <p:pic>
         <p:nvPicPr>
-          <p:cNvPr id="15" name="Picture 14">
+          <p:cNvPr id="5" name="Picture 4">
             <a:extLst>
               <a:ext uri="{FF2B5EF4-FFF2-40B4-BE49-F238E27FC236}">
-                <a16:creationId xmlns:a16="http://schemas.microsoft.com/office/drawing/2014/main" id="{82042772-28CB-46AA-9A39-3BFC5930E865}"/>
+                <a16:creationId xmlns:a16="http://schemas.microsoft.com/office/drawing/2014/main" id="{1E6C0D02-B78E-4063-814D-AEF8D3497537}"/>
               </a:ext>
             </a:extLst>
           </p:cNvPr>
@@ -8050,8 +8050,8 @@
         </p:blipFill>
         <p:spPr>
           <a:xfrm>
-            <a:off x="6207125" y="3247058"/>
-            <a:ext cx="5135456" cy="3356372"/>
+            <a:off x="6588073" y="3216986"/>
+            <a:ext cx="5070236" cy="3297504"/>
           </a:xfrm>
           <a:prstGeom prst="rect">
             <a:avLst/>
@@ -9599,15 +9599,6 @@
 </file>
 
 <file path=customXml/item2.xml><?xml version="1.0" encoding="utf-8"?>
-<?mso-contentType ?>
-<FormTemplates xmlns="http://schemas.microsoft.com/sharepoint/v3/contenttype/forms">
-  <Display>DocumentLibraryForm</Display>
-  <Edit>DocumentLibraryForm</Edit>
-  <New>DocumentLibraryForm</New>
-</FormTemplates>
-</file>
-
-<file path=customXml/item3.xml><?xml version="1.0" encoding="utf-8"?>
 <ct:contentTypeSchema xmlns:ct="http://schemas.microsoft.com/office/2006/metadata/contentType" xmlns:ma="http://schemas.microsoft.com/office/2006/metadata/properties/metaAttributes" ct:_="" ma:_="" ma:contentTypeName="Document" ma:contentTypeID="0x010100AA3F7D94069FF64A86F7DFF56D60E3BE" ma:contentTypeVersion="6" ma:contentTypeDescription="Create a new document." ma:contentTypeScope="" ma:versionID="c32302c77d4085ecf495bdddb7f5e889">
   <xsd:schema xmlns:xsd="http://www.w3.org/2001/XMLSchema" xmlns:xs="http://www.w3.org/2001/XMLSchema" xmlns:p="http://schemas.microsoft.com/office/2006/metadata/properties" xmlns:ns2="a4f35948-e619-41b3-aa29-22878b09cfd2" xmlns:ns3="40262f94-9f35-4ac3-9a90-690165a166b7" targetNamespace="http://schemas.microsoft.com/office/2006/metadata/properties" ma:root="true" ma:fieldsID="4ab5ae46be95f9d0be6107e8200be7a2" ns2:_="" ns3:_="">
     <xsd:import namespace="a4f35948-e619-41b3-aa29-22878b09cfd2"/>
@@ -9788,6 +9779,15 @@
 </ct:contentTypeSchema>
 </file>
 
+<file path=customXml/item3.xml><?xml version="1.0" encoding="utf-8"?>
+<?mso-contentType ?>
+<FormTemplates xmlns="http://schemas.microsoft.com/sharepoint/v3/contenttype/forms">
+  <Display>DocumentLibraryForm</Display>
+  <Edit>DocumentLibraryForm</Edit>
+  <New>DocumentLibraryForm</New>
+</FormTemplates>
+</file>
+
 <file path=customXml/itemProps1.xml><?xml version="1.0" encoding="utf-8"?>
 <ds:datastoreItem xmlns:ds="http://schemas.openxmlformats.org/officeDocument/2006/customXml" ds:itemID="{8AFFFBF3-BB42-47F7-806D-D5417A96E6A8}">
   <ds:schemaRefs>
@@ -9806,14 +9806,6 @@
 </file>
 
 <file path=customXml/itemProps2.xml><?xml version="1.0" encoding="utf-8"?>
-<ds:datastoreItem xmlns:ds="http://schemas.openxmlformats.org/officeDocument/2006/customXml" ds:itemID="{4FC28D37-012A-4F78-8189-E37D3400689D}">
-  <ds:schemaRefs>
-    <ds:schemaRef ds:uri="http://schemas.microsoft.com/sharepoint/v3/contenttype/forms"/>
-  </ds:schemaRefs>
-</ds:datastoreItem>
-</file>
-
-<file path=customXml/itemProps3.xml><?xml version="1.0" encoding="utf-8"?>
 <ds:datastoreItem xmlns:ds="http://schemas.openxmlformats.org/officeDocument/2006/customXml" ds:itemID="{B6B1B62E-928A-4006-B97D-326E5E8B4F15}">
   <ds:schemaRefs>
     <ds:schemaRef ds:uri="http://schemas.microsoft.com/office/2006/metadata/contentType"/>
@@ -9830,4 +9822,12 @@
     <ds:schemaRef ds:uri="http://schemas.microsoft.com/internal/obd"/>
   </ds:schemaRefs>
 </ds:datastoreItem>
+</file>
+
+<file path=customXml/itemProps3.xml><?xml version="1.0" encoding="utf-8"?>
+<ds:datastoreItem xmlns:ds="http://schemas.openxmlformats.org/officeDocument/2006/customXml" ds:itemID="{4FC28D37-012A-4F78-8189-E37D3400689D}">
+  <ds:schemaRefs>
+    <ds:schemaRef ds:uri="http://schemas.microsoft.com/sharepoint/v3/contenttype/forms"/>
+  </ds:schemaRefs>
+</ds:datastoreItem>
 </file>